--- a/Lecture Slides/VideoLectureSlides/7.4.pptx
+++ b/Lecture Slides/VideoLectureSlides/7.4.pptx
@@ -5,7 +5,7 @@
     <p:sldMasterId id="2147483660" r:id="rId4"/>
   </p:sldMasterIdLst>
   <p:notesMasterIdLst>
-    <p:notesMasterId r:id="rId20"/>
+    <p:notesMasterId r:id="rId21"/>
   </p:notesMasterIdLst>
   <p:sldIdLst>
     <p:sldId id="256" r:id="rId5"/>
@@ -23,6 +23,7 @@
     <p:sldId id="281" r:id="rId17"/>
     <p:sldId id="287" r:id="rId18"/>
     <p:sldId id="276" r:id="rId19"/>
+    <p:sldId id="288" r:id="rId20"/>
   </p:sldIdLst>
   <p:sldSz cx="9144000" cy="6858000" type="screen4x3"/>
   <p:notesSz cx="6858000" cy="9144000"/>
@@ -884,7 +885,7 @@
           <a:p>
             <a:fld id="{1AA1AB63-216F-4D5B-8811-CCB935E98D4A}" type="datetimeFigureOut">
               <a:rPr lang="en-US" smtClean="0"/>
-              <a:t>12/28/2020</a:t>
+              <a:t>2/17/2022</a:t>
             </a:fld>
             <a:endParaRPr lang="en-US"/>
           </a:p>
@@ -5416,7 +5417,7 @@
             </a:pPr>
             <a:r>
               <a:rPr lang="en-US" dirty="0"/>
-              <a:t>To find the self locking angle, we will... </a:t>
+              <a:t>To find the self-locking angle, we will... </a:t>
             </a:r>
           </a:p>
           <a:p>
@@ -9376,6 +9377,474 @@
 </p:sld>
 </file>
 
+<file path=ppt/slides/slide16.xml><?xml version="1.0" encoding="utf-8"?>
+<p:sld xmlns:a="http://schemas.openxmlformats.org/drawingml/2006/main" xmlns:r="http://schemas.openxmlformats.org/officeDocument/2006/relationships" xmlns:p="http://schemas.openxmlformats.org/presentationml/2006/main">
+  <p:cSld>
+    <p:spTree>
+      <p:nvGrpSpPr>
+        <p:cNvPr id="1" name=""/>
+        <p:cNvGrpSpPr/>
+        <p:nvPr/>
+      </p:nvGrpSpPr>
+      <p:grpSpPr>
+        <a:xfrm>
+          <a:off x="0" y="0"/>
+          <a:ext cx="0" cy="0"/>
+          <a:chOff x="0" y="0"/>
+          <a:chExt cx="0" cy="0"/>
+        </a:xfrm>
+      </p:grpSpPr>
+      <p:sp>
+        <p:nvSpPr>
+          <p:cNvPr id="2" name="Title 1">
+            <a:extLst>
+              <a:ext uri="{FF2B5EF4-FFF2-40B4-BE49-F238E27FC236}">
+                <a16:creationId xmlns:a16="http://schemas.microsoft.com/office/drawing/2014/main" id="{E19A840F-4173-4D7A-A6B5-B1675CBA2428}"/>
+              </a:ext>
+            </a:extLst>
+          </p:cNvPr>
+          <p:cNvSpPr>
+            <a:spLocks noGrp="1"/>
+          </p:cNvSpPr>
+          <p:nvPr>
+            <p:ph type="title"/>
+          </p:nvPr>
+        </p:nvSpPr>
+        <p:spPr/>
+        <p:txBody>
+          <a:bodyPr/>
+          <a:lstStyle/>
+          <a:p>
+            <a:r>
+              <a:rPr lang="en-US" dirty="0"/>
+              <a:t>Power Screws Worked Example</a:t>
+            </a:r>
+          </a:p>
+        </p:txBody>
+      </p:sp>
+      <p:sp>
+        <p:nvSpPr>
+          <p:cNvPr id="3" name="Content Placeholder 2">
+            <a:extLst>
+              <a:ext uri="{FF2B5EF4-FFF2-40B4-BE49-F238E27FC236}">
+                <a16:creationId xmlns:a16="http://schemas.microsoft.com/office/drawing/2014/main" id="{C6D3C65C-9507-44BF-A01C-7CA0A5EE72FA}"/>
+              </a:ext>
+            </a:extLst>
+          </p:cNvPr>
+          <p:cNvSpPr>
+            <a:spLocks noGrp="1"/>
+          </p:cNvSpPr>
+          <p:nvPr>
+            <p:ph idx="1"/>
+          </p:nvPr>
+        </p:nvSpPr>
+        <p:spPr>
+          <a:xfrm>
+            <a:off x="457200" y="1600200"/>
+            <a:ext cx="8229600" cy="2580331"/>
+          </a:xfrm>
+        </p:spPr>
+        <p:txBody>
+          <a:bodyPr>
+            <a:normAutofit fontScale="77500" lnSpcReduction="20000"/>
+          </a:bodyPr>
+          <a:lstStyle/>
+          <a:p>
+            <a:r>
+              <a:rPr lang="en-US" dirty="0"/>
+              <a:t>You are designing a screw lift system that will be used in auto repair shops as shown below. Each screw lift will be required to support loads up to 20kN.</a:t>
+            </a:r>
+          </a:p>
+          <a:p>
+            <a:pPr lvl="1"/>
+            <a:r>
+              <a:rPr lang="en-US" dirty="0"/>
+              <a:t>Assuming a coefficient of friction of .2, what is the maximum lead angle such that the system will be self-locking?</a:t>
+            </a:r>
+          </a:p>
+          <a:p>
+            <a:pPr lvl="1"/>
+            <a:r>
+              <a:rPr lang="en-US" dirty="0"/>
+              <a:t>Assuming a 5cm diameter screw, and an available motor torque of 60Nm, what is the maximum pitch that could be used to lift the 20kN load?</a:t>
+            </a:r>
+          </a:p>
+        </p:txBody>
+      </p:sp>
+      <p:sp>
+        <p:nvSpPr>
+          <p:cNvPr id="4" name="Slide Number Placeholder 3">
+            <a:extLst>
+              <a:ext uri="{FF2B5EF4-FFF2-40B4-BE49-F238E27FC236}">
+                <a16:creationId xmlns:a16="http://schemas.microsoft.com/office/drawing/2014/main" id="{14BC2DC7-DC17-49EA-A576-2722716E7087}"/>
+              </a:ext>
+            </a:extLst>
+          </p:cNvPr>
+          <p:cNvSpPr>
+            <a:spLocks noGrp="1"/>
+          </p:cNvSpPr>
+          <p:nvPr>
+            <p:ph type="sldNum" sz="quarter" idx="12"/>
+          </p:nvPr>
+        </p:nvSpPr>
+        <p:spPr>
+          <a:xfrm>
+            <a:off x="6581775" y="6346824"/>
+            <a:ext cx="2133600" cy="365125"/>
+          </a:xfrm>
+        </p:spPr>
+        <p:txBody>
+          <a:bodyPr/>
+          <a:lstStyle/>
+          <a:p>
+            <a:fld id="{929262FE-7F58-4A1E-8AF3-5A510A86DEBD}" type="slidenum">
+              <a:rPr lang="en-US" smtClean="0"/>
+              <a:t>16</a:t>
+            </a:fld>
+            <a:endParaRPr lang="en-US"/>
+          </a:p>
+        </p:txBody>
+      </p:sp>
+      <p:pic>
+        <p:nvPicPr>
+          <p:cNvPr id="6" name="Picture 5">
+            <a:extLst>
+              <a:ext uri="{FF2B5EF4-FFF2-40B4-BE49-F238E27FC236}">
+                <a16:creationId xmlns:a16="http://schemas.microsoft.com/office/drawing/2014/main" id="{F6646B71-B352-4ADB-8D2D-494C46E95A09}"/>
+              </a:ext>
+            </a:extLst>
+          </p:cNvPr>
+          <p:cNvPicPr>
+            <a:picLocks noChangeAspect="1"/>
+          </p:cNvPicPr>
+          <p:nvPr/>
+        </p:nvPicPr>
+        <p:blipFill>
+          <a:blip r:embed="rId2"/>
+          <a:stretch>
+            <a:fillRect/>
+          </a:stretch>
+        </p:blipFill>
+        <p:spPr>
+          <a:xfrm>
+            <a:off x="428625" y="4180532"/>
+            <a:ext cx="3990975" cy="2348855"/>
+          </a:xfrm>
+          <a:prstGeom prst="rect">
+            <a:avLst/>
+          </a:prstGeom>
+        </p:spPr>
+      </p:pic>
+      <mc:AlternateContent xmlns:mc="http://schemas.openxmlformats.org/markup-compatibility/2006">
+        <mc:Choice xmlns:a14="http://schemas.microsoft.com/office/drawing/2010/main" Requires="a14">
+          <p:sp>
+            <p:nvSpPr>
+              <p:cNvPr id="7" name="Rectangle 6">
+                <a:extLst>
+                  <a:ext uri="{FF2B5EF4-FFF2-40B4-BE49-F238E27FC236}">
+                    <a16:creationId xmlns:a16="http://schemas.microsoft.com/office/drawing/2014/main" id="{5EF0F8F4-4CA1-44A5-9BD2-23E70D8B9E05}"/>
+                  </a:ext>
+                </a:extLst>
+              </p:cNvPr>
+              <p:cNvSpPr/>
+              <p:nvPr/>
+            </p:nvSpPr>
+            <p:spPr>
+              <a:xfrm>
+                <a:off x="6858000" y="5410200"/>
+                <a:ext cx="933204" cy="369332"/>
+              </a:xfrm>
+              <a:prstGeom prst="rect">
+                <a:avLst/>
+              </a:prstGeom>
+            </p:spPr>
+            <p:txBody>
+              <a:bodyPr wrap="none">
+                <a:spAutoFit/>
+              </a:bodyPr>
+              <a:lstStyle/>
+              <a:p>
+                <a:pPr/>
+                <a14:m>
+                  <m:oMathPara xmlns:m="http://schemas.openxmlformats.org/officeDocument/2006/math">
+                    <m:oMathParaPr>
+                      <m:jc m:val="centerGroup"/>
+                    </m:oMathParaPr>
+                    <m:oMath xmlns:m="http://schemas.openxmlformats.org/officeDocument/2006/math">
+                      <m:sSub>
+                        <m:sSubPr>
+                          <m:ctrlPr>
+                            <a:rPr lang="en-US" i="1" smtClean="0">
+                              <a:solidFill>
+                                <a:schemeClr val="tx1"/>
+                              </a:solidFill>
+                              <a:latin typeface="Cambria Math" panose="02040503050406030204" pitchFamily="18" charset="0"/>
+                            </a:rPr>
+                          </m:ctrlPr>
+                        </m:sSubPr>
+                        <m:e>
+                          <m:r>
+                            <m:rPr>
+                              <m:sty m:val="p"/>
+                            </m:rPr>
+                            <a:rPr lang="en-US">
+                              <a:solidFill>
+                                <a:schemeClr val="tx1"/>
+                              </a:solidFill>
+                              <a:latin typeface="Cambria Math"/>
+                              <a:ea typeface="Cambria Math"/>
+                            </a:rPr>
+                            <m:t>μ</m:t>
+                          </m:r>
+                        </m:e>
+                        <m:sub>
+                          <m:r>
+                            <m:rPr>
+                              <m:sty m:val="p"/>
+                            </m:rPr>
+                            <a:rPr lang="en-US">
+                              <a:solidFill>
+                                <a:schemeClr val="tx1"/>
+                              </a:solidFill>
+                              <a:latin typeface="Cambria Math"/>
+                            </a:rPr>
+                            <m:t>s</m:t>
+                          </m:r>
+                        </m:sub>
+                      </m:sSub>
+                      <m:r>
+                        <a:rPr lang="en-US" b="0" i="1" smtClean="0">
+                          <a:solidFill>
+                            <a:schemeClr val="tx1"/>
+                          </a:solidFill>
+                          <a:latin typeface="Cambria Math"/>
+                        </a:rPr>
+                        <m:t>=.</m:t>
+                      </m:r>
+                      <m:r>
+                        <a:rPr lang="en-US" b="0" i="1" smtClean="0">
+                          <a:solidFill>
+                            <a:schemeClr val="tx1"/>
+                          </a:solidFill>
+                          <a:latin typeface="Cambria Math" panose="02040503050406030204" pitchFamily="18" charset="0"/>
+                        </a:rPr>
+                        <m:t>2</m:t>
+                      </m:r>
+                    </m:oMath>
+                  </m:oMathPara>
+                </a14:m>
+                <a:endParaRPr lang="en-US" sz="1100" dirty="0"/>
+              </a:p>
+            </p:txBody>
+          </p:sp>
+        </mc:Choice>
+        <mc:Fallback>
+          <p:sp>
+            <p:nvSpPr>
+              <p:cNvPr id="7" name="Rectangle 6">
+                <a:extLst>
+                  <a:ext uri="{FF2B5EF4-FFF2-40B4-BE49-F238E27FC236}">
+                    <a16:creationId xmlns:a16="http://schemas.microsoft.com/office/drawing/2014/main" id="{5EF0F8F4-4CA1-44A5-9BD2-23E70D8B9E05}"/>
+                  </a:ext>
+                </a:extLst>
+              </p:cNvPr>
+              <p:cNvSpPr>
+                <a:spLocks noRot="1" noChangeAspect="1" noMove="1" noResize="1" noEditPoints="1" noAdjustHandles="1" noChangeArrowheads="1" noChangeShapeType="1" noTextEdit="1"/>
+              </p:cNvSpPr>
+              <p:nvPr/>
+            </p:nvSpPr>
+            <p:spPr>
+              <a:xfrm>
+                <a:off x="6858000" y="5410200"/>
+                <a:ext cx="933204" cy="369332"/>
+              </a:xfrm>
+              <a:prstGeom prst="rect">
+                <a:avLst/>
+              </a:prstGeom>
+              <a:blipFill>
+                <a:blip r:embed="rId3"/>
+                <a:stretch>
+                  <a:fillRect b="-6667"/>
+                </a:stretch>
+              </a:blipFill>
+            </p:spPr>
+            <p:txBody>
+              <a:bodyPr/>
+              <a:lstStyle/>
+              <a:p>
+                <a:r>
+                  <a:rPr lang="en-US">
+                    <a:noFill/>
+                  </a:rPr>
+                  <a:t> </a:t>
+                </a:r>
+              </a:p>
+            </p:txBody>
+          </p:sp>
+        </mc:Fallback>
+      </mc:AlternateContent>
+      <mc:AlternateContent xmlns:mc="http://schemas.openxmlformats.org/markup-compatibility/2006">
+        <mc:Choice xmlns:a14="http://schemas.microsoft.com/office/drawing/2010/main" Requires="a14">
+          <p:sp>
+            <p:nvSpPr>
+              <p:cNvPr id="8" name="Rectangle 7">
+                <a:extLst>
+                  <a:ext uri="{FF2B5EF4-FFF2-40B4-BE49-F238E27FC236}">
+                    <a16:creationId xmlns:a16="http://schemas.microsoft.com/office/drawing/2014/main" id="{7CB02728-7457-4EDD-A734-206043DDD845}"/>
+                  </a:ext>
+                </a:extLst>
+              </p:cNvPr>
+              <p:cNvSpPr/>
+              <p:nvPr/>
+            </p:nvSpPr>
+            <p:spPr>
+              <a:xfrm>
+                <a:off x="6849184" y="5779532"/>
+                <a:ext cx="950838" cy="369332"/>
+              </a:xfrm>
+              <a:prstGeom prst="rect">
+                <a:avLst/>
+              </a:prstGeom>
+            </p:spPr>
+            <p:txBody>
+              <a:bodyPr wrap="none">
+                <a:spAutoFit/>
+              </a:bodyPr>
+              <a:lstStyle/>
+              <a:p>
+                <a:pPr/>
+                <a14:m>
+                  <m:oMathPara xmlns:m="http://schemas.openxmlformats.org/officeDocument/2006/math">
+                    <m:oMathParaPr>
+                      <m:jc m:val="centerGroup"/>
+                    </m:oMathParaPr>
+                    <m:oMath xmlns:m="http://schemas.openxmlformats.org/officeDocument/2006/math">
+                      <m:sSub>
+                        <m:sSubPr>
+                          <m:ctrlPr>
+                            <a:rPr lang="en-US" i="1" smtClean="0">
+                              <a:solidFill>
+                                <a:schemeClr val="tx1"/>
+                              </a:solidFill>
+                              <a:latin typeface="Cambria Math" panose="02040503050406030204" pitchFamily="18" charset="0"/>
+                            </a:rPr>
+                          </m:ctrlPr>
+                        </m:sSubPr>
+                        <m:e>
+                          <m:r>
+                            <m:rPr>
+                              <m:sty m:val="p"/>
+                            </m:rPr>
+                            <a:rPr lang="en-US">
+                              <a:solidFill>
+                                <a:schemeClr val="tx1"/>
+                              </a:solidFill>
+                              <a:latin typeface="Cambria Math"/>
+                              <a:ea typeface="Cambria Math"/>
+                            </a:rPr>
+                            <m:t>μ</m:t>
+                          </m:r>
+                        </m:e>
+                        <m:sub>
+                          <m:r>
+                            <m:rPr>
+                              <m:sty m:val="p"/>
+                            </m:rPr>
+                            <a:rPr lang="en-US" b="0" i="0" smtClean="0">
+                              <a:solidFill>
+                                <a:schemeClr val="tx1"/>
+                              </a:solidFill>
+                              <a:latin typeface="Cambria Math"/>
+                              <a:ea typeface="Cambria Math"/>
+                            </a:rPr>
+                            <m:t>k</m:t>
+                          </m:r>
+                        </m:sub>
+                      </m:sSub>
+                      <m:r>
+                        <a:rPr lang="en-US" b="0" i="1" smtClean="0">
+                          <a:solidFill>
+                            <a:schemeClr val="tx1"/>
+                          </a:solidFill>
+                          <a:latin typeface="Cambria Math"/>
+                        </a:rPr>
+                        <m:t>=.</m:t>
+                      </m:r>
+                      <m:r>
+                        <a:rPr lang="en-US" b="0" i="1" smtClean="0">
+                          <a:solidFill>
+                            <a:schemeClr val="tx1"/>
+                          </a:solidFill>
+                          <a:latin typeface="Cambria Math" panose="02040503050406030204" pitchFamily="18" charset="0"/>
+                        </a:rPr>
+                        <m:t>2</m:t>
+                      </m:r>
+                    </m:oMath>
+                  </m:oMathPara>
+                </a14:m>
+                <a:endParaRPr lang="en-US" sz="1100" dirty="0"/>
+              </a:p>
+            </p:txBody>
+          </p:sp>
+        </mc:Choice>
+        <mc:Fallback>
+          <p:sp>
+            <p:nvSpPr>
+              <p:cNvPr id="8" name="Rectangle 7">
+                <a:extLst>
+                  <a:ext uri="{FF2B5EF4-FFF2-40B4-BE49-F238E27FC236}">
+                    <a16:creationId xmlns:a16="http://schemas.microsoft.com/office/drawing/2014/main" id="{7CB02728-7457-4EDD-A734-206043DDD845}"/>
+                  </a:ext>
+                </a:extLst>
+              </p:cNvPr>
+              <p:cNvSpPr>
+                <a:spLocks noRot="1" noChangeAspect="1" noMove="1" noResize="1" noEditPoints="1" noAdjustHandles="1" noChangeArrowheads="1" noChangeShapeType="1" noTextEdit="1"/>
+              </p:cNvSpPr>
+              <p:nvPr/>
+            </p:nvSpPr>
+            <p:spPr>
+              <a:xfrm>
+                <a:off x="6849184" y="5779532"/>
+                <a:ext cx="950838" cy="369332"/>
+              </a:xfrm>
+              <a:prstGeom prst="rect">
+                <a:avLst/>
+              </a:prstGeom>
+              <a:blipFill>
+                <a:blip r:embed="rId4"/>
+                <a:stretch>
+                  <a:fillRect b="-6557"/>
+                </a:stretch>
+              </a:blipFill>
+            </p:spPr>
+            <p:txBody>
+              <a:bodyPr/>
+              <a:lstStyle/>
+              <a:p>
+                <a:r>
+                  <a:rPr lang="en-US">
+                    <a:noFill/>
+                  </a:rPr>
+                  <a:t> </a:t>
+                </a:r>
+              </a:p>
+            </p:txBody>
+          </p:sp>
+        </mc:Fallback>
+      </mc:AlternateContent>
+    </p:spTree>
+    <p:extLst>
+      <p:ext uri="{BB962C8B-B14F-4D97-AF65-F5344CB8AC3E}">
+        <p14:creationId xmlns:p14="http://schemas.microsoft.com/office/powerpoint/2010/main" val="3122921510"/>
+      </p:ext>
+    </p:extLst>
+  </p:cSld>
+  <p:clrMapOvr>
+    <a:masterClrMapping/>
+  </p:clrMapOvr>
+</p:sld>
+</file>
+
 <file path=ppt/slides/slide2.xml><?xml version="1.0" encoding="utf-8"?>
 <p:sld xmlns:a="http://schemas.openxmlformats.org/drawingml/2006/main" xmlns:r="http://schemas.openxmlformats.org/officeDocument/2006/relationships" xmlns:p="http://schemas.openxmlformats.org/presentationml/2006/main">
   <p:cSld>
@@ -17597,7 +18066,7 @@
           <a:p>
             <a:r>
               <a:rPr lang="en-US" dirty="0"/>
-              <a:t>Putting all of this together, we end up with our final equation that relates the input toque on the screw to the load force, which is the force the “nut” would be able to push with.</a:t>
+              <a:t>Putting all of this together, we end up with our final equation that relates the input torque on the screw to the load force, which is the force the “nut” would be able to push with.</a:t>
             </a:r>
           </a:p>
         </p:txBody>
@@ -20113,21 +20582,6 @@
 </file>
 
 <file path=customXml/item1.xml><?xml version="1.0" encoding="utf-8"?>
-<?mso-contentType ?>
-<FormTemplates xmlns="http://schemas.microsoft.com/sharepoint/v3/contenttype/forms">
-  <Display>DocumentLibraryForm</Display>
-  <Edit>DocumentLibraryForm</Edit>
-  <New>DocumentLibraryForm</New>
-</FormTemplates>
-</file>
-
-<file path=customXml/item2.xml><?xml version="1.0" encoding="utf-8"?>
-<p:properties xmlns:p="http://schemas.microsoft.com/office/2006/metadata/properties" xmlns:xsi="http://www.w3.org/2001/XMLSchema-instance" xmlns:pc="http://schemas.microsoft.com/office/infopath/2007/PartnerControls">
-  <documentManagement/>
-</p:properties>
-</file>
-
-<file path=customXml/item3.xml><?xml version="1.0" encoding="utf-8"?>
 <ct:contentTypeSchema xmlns:ct="http://schemas.microsoft.com/office/2006/metadata/contentType" xmlns:ma="http://schemas.microsoft.com/office/2006/metadata/properties/metaAttributes" ct:_="" ma:_="" ma:contentTypeName="Document" ma:contentTypeID="0x010100A06DF21F5BB2734A800ED30F3F452129" ma:contentTypeVersion="12" ma:contentTypeDescription="Create a new document." ma:contentTypeScope="" ma:versionID="544d96a5fbac5de9d5d902b535c73fb2">
   <xsd:schema xmlns:xsd="http://www.w3.org/2001/XMLSchema" xmlns:xs="http://www.w3.org/2001/XMLSchema" xmlns:p="http://schemas.microsoft.com/office/2006/metadata/properties" xmlns:ns3="90d05cb5-950f-4f68-bc2c-e17794455b92" xmlns:ns4="b4eab9fa-dbb0-4082-8491-8bd54207a265" targetNamespace="http://schemas.microsoft.com/office/2006/metadata/properties" ma:root="true" ma:fieldsID="7a710efc71c2169bf9c05e5a40dddf12" ns3:_="" ns4:_="">
     <xsd:import namespace="90d05cb5-950f-4f68-bc2c-e17794455b92"/>
@@ -20344,24 +20798,22 @@
 </ct:contentTypeSchema>
 </file>
 
-<file path=customXml/itemProps1.xml><?xml version="1.0" encoding="utf-8"?>
-<ds:datastoreItem xmlns:ds="http://schemas.openxmlformats.org/officeDocument/2006/customXml" ds:itemID="{F5CF5F32-56DC-4068-8B04-457CF34A96F3}">
-  <ds:schemaRefs>
-    <ds:schemaRef ds:uri="http://schemas.microsoft.com/sharepoint/v3/contenttype/forms"/>
-  </ds:schemaRefs>
-</ds:datastoreItem>
+<file path=customXml/item2.xml><?xml version="1.0" encoding="utf-8"?>
+<p:properties xmlns:p="http://schemas.microsoft.com/office/2006/metadata/properties" xmlns:xsi="http://www.w3.org/2001/XMLSchema-instance" xmlns:pc="http://schemas.microsoft.com/office/infopath/2007/PartnerControls">
+  <documentManagement/>
+</p:properties>
 </file>
 
-<file path=customXml/itemProps2.xml><?xml version="1.0" encoding="utf-8"?>
-<ds:datastoreItem xmlns:ds="http://schemas.openxmlformats.org/officeDocument/2006/customXml" ds:itemID="{52EB1464-66D1-425A-BBB5-7A9312BBE9C4}">
-  <ds:schemaRefs>
-    <ds:schemaRef ds:uri="http://schemas.microsoft.com/office/2006/metadata/properties"/>
-    <ds:schemaRef ds:uri="http://schemas.microsoft.com/office/infopath/2007/PartnerControls"/>
-  </ds:schemaRefs>
-</ds:datastoreItem>
+<file path=customXml/item3.xml><?xml version="1.0" encoding="utf-8"?>
+<?mso-contentType ?>
+<FormTemplates xmlns="http://schemas.microsoft.com/sharepoint/v3/contenttype/forms">
+  <Display>DocumentLibraryForm</Display>
+  <Edit>DocumentLibraryForm</Edit>
+  <New>DocumentLibraryForm</New>
+</FormTemplates>
 </file>
 
-<file path=customXml/itemProps3.xml><?xml version="1.0" encoding="utf-8"?>
+<file path=customXml/itemProps1.xml><?xml version="1.0" encoding="utf-8"?>
 <ds:datastoreItem xmlns:ds="http://schemas.openxmlformats.org/officeDocument/2006/customXml" ds:itemID="{A43B8A4B-79FE-4529-931C-D64224FA70E3}">
   <ds:schemaRefs>
     <ds:schemaRef ds:uri="http://schemas.microsoft.com/office/2006/metadata/contentType"/>
@@ -20378,4 +20830,21 @@
     <ds:schemaRef ds:uri="http://schemas.microsoft.com/internal/obd"/>
   </ds:schemaRefs>
 </ds:datastoreItem>
+</file>
+
+<file path=customXml/itemProps2.xml><?xml version="1.0" encoding="utf-8"?>
+<ds:datastoreItem xmlns:ds="http://schemas.openxmlformats.org/officeDocument/2006/customXml" ds:itemID="{52EB1464-66D1-425A-BBB5-7A9312BBE9C4}">
+  <ds:schemaRefs>
+    <ds:schemaRef ds:uri="http://schemas.microsoft.com/office/2006/metadata/properties"/>
+    <ds:schemaRef ds:uri="http://schemas.microsoft.com/office/infopath/2007/PartnerControls"/>
+  </ds:schemaRefs>
+</ds:datastoreItem>
+</file>
+
+<file path=customXml/itemProps3.xml><?xml version="1.0" encoding="utf-8"?>
+<ds:datastoreItem xmlns:ds="http://schemas.openxmlformats.org/officeDocument/2006/customXml" ds:itemID="{F5CF5F32-56DC-4068-8B04-457CF34A96F3}">
+  <ds:schemaRefs>
+    <ds:schemaRef ds:uri="http://schemas.microsoft.com/sharepoint/v3/contenttype/forms"/>
+  </ds:schemaRefs>
+</ds:datastoreItem>
 </file>
--- a/Lecture Slides/VideoLectureSlides/7.4.pptx
+++ b/Lecture Slides/VideoLectureSlides/7.4.pptx
@@ -885,7 +885,7 @@
           <a:p>
             <a:fld id="{1AA1AB63-216F-4D5B-8811-CCB935E98D4A}" type="datetimeFigureOut">
               <a:rPr lang="en-US" smtClean="0"/>
-              <a:t>2/17/2022</a:t>
+              <a:t>3/13/2022</a:t>
             </a:fld>
             <a:endParaRPr lang="en-US"/>
           </a:p>
@@ -9459,7 +9459,7 @@
             <a:pPr lvl="1"/>
             <a:r>
               <a:rPr lang="en-US" dirty="0"/>
-              <a:t>Assuming a coefficient of friction of .2, what is the maximum lead angle such that the system will be self-locking?</a:t>
+              <a:t>Assuming a coefficient of friction of .1, what is the maximum lead angle such that the system will be self-locking?</a:t>
             </a:r>
           </a:p>
           <a:p>
@@ -9628,7 +9628,7 @@
                           </a:solidFill>
                           <a:latin typeface="Cambria Math" panose="02040503050406030204" pitchFamily="18" charset="0"/>
                         </a:rPr>
-                        <m:t>2</m:t>
+                        <m:t>1</m:t>
                       </m:r>
                     </m:oMath>
                   </m:oMathPara>
@@ -9777,7 +9777,7 @@
                           </a:solidFill>
                           <a:latin typeface="Cambria Math" panose="02040503050406030204" pitchFamily="18" charset="0"/>
                         </a:rPr>
-                        <m:t>2</m:t>
+                        <m:t>1</m:t>
                       </m:r>
                     </m:oMath>
                   </m:oMathPara>
@@ -20582,6 +20582,21 @@
 </file>
 
 <file path=customXml/item1.xml><?xml version="1.0" encoding="utf-8"?>
+<?mso-contentType ?>
+<FormTemplates xmlns="http://schemas.microsoft.com/sharepoint/v3/contenttype/forms">
+  <Display>DocumentLibraryForm</Display>
+  <Edit>DocumentLibraryForm</Edit>
+  <New>DocumentLibraryForm</New>
+</FormTemplates>
+</file>
+
+<file path=customXml/item2.xml><?xml version="1.0" encoding="utf-8"?>
+<p:properties xmlns:p="http://schemas.microsoft.com/office/2006/metadata/properties" xmlns:xsi="http://www.w3.org/2001/XMLSchema-instance" xmlns:pc="http://schemas.microsoft.com/office/infopath/2007/PartnerControls">
+  <documentManagement/>
+</p:properties>
+</file>
+
+<file path=customXml/item3.xml><?xml version="1.0" encoding="utf-8"?>
 <ct:contentTypeSchema xmlns:ct="http://schemas.microsoft.com/office/2006/metadata/contentType" xmlns:ma="http://schemas.microsoft.com/office/2006/metadata/properties/metaAttributes" ct:_="" ma:_="" ma:contentTypeName="Document" ma:contentTypeID="0x010100A06DF21F5BB2734A800ED30F3F452129" ma:contentTypeVersion="12" ma:contentTypeDescription="Create a new document." ma:contentTypeScope="" ma:versionID="544d96a5fbac5de9d5d902b535c73fb2">
   <xsd:schema xmlns:xsd="http://www.w3.org/2001/XMLSchema" xmlns:xs="http://www.w3.org/2001/XMLSchema" xmlns:p="http://schemas.microsoft.com/office/2006/metadata/properties" xmlns:ns3="90d05cb5-950f-4f68-bc2c-e17794455b92" xmlns:ns4="b4eab9fa-dbb0-4082-8491-8bd54207a265" targetNamespace="http://schemas.microsoft.com/office/2006/metadata/properties" ma:root="true" ma:fieldsID="7a710efc71c2169bf9c05e5a40dddf12" ns3:_="" ns4:_="">
     <xsd:import namespace="90d05cb5-950f-4f68-bc2c-e17794455b92"/>
@@ -20798,22 +20813,24 @@
 </ct:contentTypeSchema>
 </file>
 
-<file path=customXml/item2.xml><?xml version="1.0" encoding="utf-8"?>
-<p:properties xmlns:p="http://schemas.microsoft.com/office/2006/metadata/properties" xmlns:xsi="http://www.w3.org/2001/XMLSchema-instance" xmlns:pc="http://schemas.microsoft.com/office/infopath/2007/PartnerControls">
-  <documentManagement/>
-</p:properties>
+<file path=customXml/itemProps1.xml><?xml version="1.0" encoding="utf-8"?>
+<ds:datastoreItem xmlns:ds="http://schemas.openxmlformats.org/officeDocument/2006/customXml" ds:itemID="{F5CF5F32-56DC-4068-8B04-457CF34A96F3}">
+  <ds:schemaRefs>
+    <ds:schemaRef ds:uri="http://schemas.microsoft.com/sharepoint/v3/contenttype/forms"/>
+  </ds:schemaRefs>
+</ds:datastoreItem>
 </file>
 
-<file path=customXml/item3.xml><?xml version="1.0" encoding="utf-8"?>
-<?mso-contentType ?>
-<FormTemplates xmlns="http://schemas.microsoft.com/sharepoint/v3/contenttype/forms">
-  <Display>DocumentLibraryForm</Display>
-  <Edit>DocumentLibraryForm</Edit>
-  <New>DocumentLibraryForm</New>
-</FormTemplates>
+<file path=customXml/itemProps2.xml><?xml version="1.0" encoding="utf-8"?>
+<ds:datastoreItem xmlns:ds="http://schemas.openxmlformats.org/officeDocument/2006/customXml" ds:itemID="{52EB1464-66D1-425A-BBB5-7A9312BBE9C4}">
+  <ds:schemaRefs>
+    <ds:schemaRef ds:uri="http://schemas.microsoft.com/office/2006/metadata/properties"/>
+    <ds:schemaRef ds:uri="http://schemas.microsoft.com/office/infopath/2007/PartnerControls"/>
+  </ds:schemaRefs>
+</ds:datastoreItem>
 </file>
 
-<file path=customXml/itemProps1.xml><?xml version="1.0" encoding="utf-8"?>
+<file path=customXml/itemProps3.xml><?xml version="1.0" encoding="utf-8"?>
 <ds:datastoreItem xmlns:ds="http://schemas.openxmlformats.org/officeDocument/2006/customXml" ds:itemID="{A43B8A4B-79FE-4529-931C-D64224FA70E3}">
   <ds:schemaRefs>
     <ds:schemaRef ds:uri="http://schemas.microsoft.com/office/2006/metadata/contentType"/>
@@ -20830,21 +20847,4 @@
     <ds:schemaRef ds:uri="http://schemas.microsoft.com/internal/obd"/>
   </ds:schemaRefs>
 </ds:datastoreItem>
-</file>
-
-<file path=customXml/itemProps2.xml><?xml version="1.0" encoding="utf-8"?>
-<ds:datastoreItem xmlns:ds="http://schemas.openxmlformats.org/officeDocument/2006/customXml" ds:itemID="{52EB1464-66D1-425A-BBB5-7A9312BBE9C4}">
-  <ds:schemaRefs>
-    <ds:schemaRef ds:uri="http://schemas.microsoft.com/office/2006/metadata/properties"/>
-    <ds:schemaRef ds:uri="http://schemas.microsoft.com/office/infopath/2007/PartnerControls"/>
-  </ds:schemaRefs>
-</ds:datastoreItem>
-</file>
-
-<file path=customXml/itemProps3.xml><?xml version="1.0" encoding="utf-8"?>
-<ds:datastoreItem xmlns:ds="http://schemas.openxmlformats.org/officeDocument/2006/customXml" ds:itemID="{F5CF5F32-56DC-4068-8B04-457CF34A96F3}">
-  <ds:schemaRefs>
-    <ds:schemaRef ds:uri="http://schemas.microsoft.com/sharepoint/v3/contenttype/forms"/>
-  </ds:schemaRefs>
-</ds:datastoreItem>
 </file>
--- a/Lecture Slides/VideoLectureSlides/7.4.pptx
+++ b/Lecture Slides/VideoLectureSlides/7.4.pptx
@@ -885,7 +885,7 @@
           <a:p>
             <a:fld id="{1AA1AB63-216F-4D5B-8811-CCB935E98D4A}" type="datetimeFigureOut">
               <a:rPr lang="en-US" smtClean="0"/>
-              <a:t>3/13/2022</a:t>
+              <a:t>4/12/2022</a:t>
             </a:fld>
             <a:endParaRPr lang="en-US"/>
           </a:p>
@@ -9459,7 +9459,7 @@
             <a:pPr lvl="1"/>
             <a:r>
               <a:rPr lang="en-US" dirty="0"/>
-              <a:t>Assuming a coefficient of friction of .1, what is the maximum lead angle such that the system will be self-locking?</a:t>
+              <a:t>Assuming a coefficient of friction of .1, what is the lead angle at which the system will be self-locking?</a:t>
             </a:r>
           </a:p>
           <a:p>
@@ -9527,7 +9527,7 @@
         </p:blipFill>
         <p:spPr>
           <a:xfrm>
-            <a:off x="428625" y="4180532"/>
+            <a:off x="1343025" y="4180532"/>
             <a:ext cx="3990975" cy="2348855"/>
           </a:xfrm>
           <a:prstGeom prst="rect">
@@ -9535,8 +9535,8 @@
           </a:prstGeom>
         </p:spPr>
       </p:pic>
-      <mc:AlternateContent xmlns:mc="http://schemas.openxmlformats.org/markup-compatibility/2006">
-        <mc:Choice xmlns:a14="http://schemas.microsoft.com/office/drawing/2010/main" Requires="a14">
+      <mc:AlternateContent xmlns:mc="http://schemas.openxmlformats.org/markup-compatibility/2006" xmlns:a14="http://schemas.microsoft.com/office/drawing/2010/main">
+        <mc:Choice Requires="a14">
           <p:sp>
             <p:nvSpPr>
               <p:cNvPr id="7" name="Rectangle 6">
@@ -9638,7 +9638,7 @@
             </p:txBody>
           </p:sp>
         </mc:Choice>
-        <mc:Fallback>
+        <mc:Fallback xmlns="">
           <p:sp>
             <p:nvSpPr>
               <p:cNvPr id="7" name="Rectangle 6">
@@ -9699,7 +9699,7 @@
             </p:nvSpPr>
             <p:spPr>
               <a:xfrm>
-                <a:off x="6849184" y="5779532"/>
+                <a:off x="6858000" y="5779532"/>
                 <a:ext cx="950838" cy="369332"/>
               </a:xfrm>
               <a:prstGeom prst="rect">
@@ -9804,7 +9804,7 @@
             </p:nvSpPr>
             <p:spPr>
               <a:xfrm>
-                <a:off x="6849184" y="5779532"/>
+                <a:off x="6858000" y="5779532"/>
                 <a:ext cx="950838" cy="369332"/>
               </a:xfrm>
               <a:prstGeom prst="rect">
@@ -20582,21 +20582,6 @@
 </file>
 
 <file path=customXml/item1.xml><?xml version="1.0" encoding="utf-8"?>
-<?mso-contentType ?>
-<FormTemplates xmlns="http://schemas.microsoft.com/sharepoint/v3/contenttype/forms">
-  <Display>DocumentLibraryForm</Display>
-  <Edit>DocumentLibraryForm</Edit>
-  <New>DocumentLibraryForm</New>
-</FormTemplates>
-</file>
-
-<file path=customXml/item2.xml><?xml version="1.0" encoding="utf-8"?>
-<p:properties xmlns:p="http://schemas.microsoft.com/office/2006/metadata/properties" xmlns:xsi="http://www.w3.org/2001/XMLSchema-instance" xmlns:pc="http://schemas.microsoft.com/office/infopath/2007/PartnerControls">
-  <documentManagement/>
-</p:properties>
-</file>
-
-<file path=customXml/item3.xml><?xml version="1.0" encoding="utf-8"?>
 <ct:contentTypeSchema xmlns:ct="http://schemas.microsoft.com/office/2006/metadata/contentType" xmlns:ma="http://schemas.microsoft.com/office/2006/metadata/properties/metaAttributes" ct:_="" ma:_="" ma:contentTypeName="Document" ma:contentTypeID="0x010100A06DF21F5BB2734A800ED30F3F452129" ma:contentTypeVersion="12" ma:contentTypeDescription="Create a new document." ma:contentTypeScope="" ma:versionID="544d96a5fbac5de9d5d902b535c73fb2">
   <xsd:schema xmlns:xsd="http://www.w3.org/2001/XMLSchema" xmlns:xs="http://www.w3.org/2001/XMLSchema" xmlns:p="http://schemas.microsoft.com/office/2006/metadata/properties" xmlns:ns3="90d05cb5-950f-4f68-bc2c-e17794455b92" xmlns:ns4="b4eab9fa-dbb0-4082-8491-8bd54207a265" targetNamespace="http://schemas.microsoft.com/office/2006/metadata/properties" ma:root="true" ma:fieldsID="7a710efc71c2169bf9c05e5a40dddf12" ns3:_="" ns4:_="">
     <xsd:import namespace="90d05cb5-950f-4f68-bc2c-e17794455b92"/>
@@ -20813,24 +20798,22 @@
 </ct:contentTypeSchema>
 </file>
 
-<file path=customXml/itemProps1.xml><?xml version="1.0" encoding="utf-8"?>
-<ds:datastoreItem xmlns:ds="http://schemas.openxmlformats.org/officeDocument/2006/customXml" ds:itemID="{F5CF5F32-56DC-4068-8B04-457CF34A96F3}">
-  <ds:schemaRefs>
-    <ds:schemaRef ds:uri="http://schemas.microsoft.com/sharepoint/v3/contenttype/forms"/>
-  </ds:schemaRefs>
-</ds:datastoreItem>
+<file path=customXml/item2.xml><?xml version="1.0" encoding="utf-8"?>
+<p:properties xmlns:p="http://schemas.microsoft.com/office/2006/metadata/properties" xmlns:xsi="http://www.w3.org/2001/XMLSchema-instance" xmlns:pc="http://schemas.microsoft.com/office/infopath/2007/PartnerControls">
+  <documentManagement/>
+</p:properties>
 </file>
 
-<file path=customXml/itemProps2.xml><?xml version="1.0" encoding="utf-8"?>
-<ds:datastoreItem xmlns:ds="http://schemas.openxmlformats.org/officeDocument/2006/customXml" ds:itemID="{52EB1464-66D1-425A-BBB5-7A9312BBE9C4}">
-  <ds:schemaRefs>
-    <ds:schemaRef ds:uri="http://schemas.microsoft.com/office/2006/metadata/properties"/>
-    <ds:schemaRef ds:uri="http://schemas.microsoft.com/office/infopath/2007/PartnerControls"/>
-  </ds:schemaRefs>
-</ds:datastoreItem>
+<file path=customXml/item3.xml><?xml version="1.0" encoding="utf-8"?>
+<?mso-contentType ?>
+<FormTemplates xmlns="http://schemas.microsoft.com/sharepoint/v3/contenttype/forms">
+  <Display>DocumentLibraryForm</Display>
+  <Edit>DocumentLibraryForm</Edit>
+  <New>DocumentLibraryForm</New>
+</FormTemplates>
 </file>
 
-<file path=customXml/itemProps3.xml><?xml version="1.0" encoding="utf-8"?>
+<file path=customXml/itemProps1.xml><?xml version="1.0" encoding="utf-8"?>
 <ds:datastoreItem xmlns:ds="http://schemas.openxmlformats.org/officeDocument/2006/customXml" ds:itemID="{A43B8A4B-79FE-4529-931C-D64224FA70E3}">
   <ds:schemaRefs>
     <ds:schemaRef ds:uri="http://schemas.microsoft.com/office/2006/metadata/contentType"/>
@@ -20847,4 +20830,21 @@
     <ds:schemaRef ds:uri="http://schemas.microsoft.com/internal/obd"/>
   </ds:schemaRefs>
 </ds:datastoreItem>
+</file>
+
+<file path=customXml/itemProps2.xml><?xml version="1.0" encoding="utf-8"?>
+<ds:datastoreItem xmlns:ds="http://schemas.openxmlformats.org/officeDocument/2006/customXml" ds:itemID="{52EB1464-66D1-425A-BBB5-7A9312BBE9C4}">
+  <ds:schemaRefs>
+    <ds:schemaRef ds:uri="http://schemas.microsoft.com/office/2006/metadata/properties"/>
+    <ds:schemaRef ds:uri="http://schemas.microsoft.com/office/infopath/2007/PartnerControls"/>
+  </ds:schemaRefs>
+</ds:datastoreItem>
+</file>
+
+<file path=customXml/itemProps3.xml><?xml version="1.0" encoding="utf-8"?>
+<ds:datastoreItem xmlns:ds="http://schemas.openxmlformats.org/officeDocument/2006/customXml" ds:itemID="{F5CF5F32-56DC-4068-8B04-457CF34A96F3}">
+  <ds:schemaRefs>
+    <ds:schemaRef ds:uri="http://schemas.microsoft.com/sharepoint/v3/contenttype/forms"/>
+  </ds:schemaRefs>
+</ds:datastoreItem>
 </file>